--- a/R/R_Intermediate_Training.pptx
+++ b/R/R_Intermediate_Training.pptx
@@ -3969,24 +3969,17 @@
           </a:p>
           <a:p>
             <a:r>
-              <a:rPr lang="en-US" dirty="0" smtClean="0">
-                <a:hlinkClick r:id="rId2"/>
-              </a:rPr>
+              <a:rPr lang="en-US" dirty="0" smtClean="0"/>
               <a:t>https</a:t>
             </a:r>
             <a:r>
-              <a:rPr lang="en-US" dirty="0">
-                <a:hlinkClick r:id="rId2"/>
-              </a:rPr>
-              <a:t>://github.com/donaldsawyer/Demos/tree/master/</a:t>
-            </a:r>
-            <a:r>
-              <a:rPr lang="en-US" dirty="0" smtClean="0">
-                <a:hlinkClick r:id="rId2"/>
-              </a:rPr>
-              <a:t>R</a:t>
-            </a:r>
-            <a:endParaRPr lang="en-US" dirty="0" smtClean="0"/>
+              <a:rPr lang="en-US" dirty="0"/>
+              <a:t>://github.com/donaldsawyer/</a:t>
+            </a:r>
+            <a:r>
+              <a:rPr lang="en-US" dirty="0" smtClean="0"/>
+              <a:t>Demos</a:t>
+            </a:r>
           </a:p>
           <a:p>
             <a:endParaRPr lang="en-US" dirty="0"/>
